--- a/Reference Files/AnchorPro Introduction.pptx
+++ b/Reference Files/AnchorPro Introduction.pptx
@@ -5,18 +5,19 @@
     <p:sldMasterId id="2147483648" r:id="rId4"/>
   </p:sldMasterIdLst>
   <p:notesMasterIdLst>
-    <p:notesMasterId r:id="rId11"/>
+    <p:notesMasterId r:id="rId12"/>
   </p:notesMasterIdLst>
   <p:handoutMasterIdLst>
-    <p:handoutMasterId r:id="rId12"/>
+    <p:handoutMasterId r:id="rId13"/>
   </p:handoutMasterIdLst>
   <p:sldIdLst>
     <p:sldId id="256" r:id="rId5"/>
-    <p:sldId id="543" r:id="rId6"/>
-    <p:sldId id="544" r:id="rId7"/>
-    <p:sldId id="551" r:id="rId8"/>
-    <p:sldId id="546" r:id="rId9"/>
+    <p:sldId id="554" r:id="rId6"/>
+    <p:sldId id="543" r:id="rId7"/>
+    <p:sldId id="544" r:id="rId8"/>
+    <p:sldId id="551" r:id="rId9"/>
     <p:sldId id="552" r:id="rId10"/>
+    <p:sldId id="553" r:id="rId11"/>
   </p:sldIdLst>
   <p:sldSz cx="12192000" cy="6858000"/>
   <p:notesSz cx="7315200" cy="9601200"/>
@@ -121,11 +122,12 @@
         <p14:section name="Intro" id="{489FF4AC-9C17-4BB6-94BC-666490F5CB5B}">
           <p14:sldIdLst>
             <p14:sldId id="256"/>
+            <p14:sldId id="554"/>
             <p14:sldId id="543"/>
             <p14:sldId id="544"/>
             <p14:sldId id="551"/>
-            <p14:sldId id="546"/>
             <p14:sldId id="552"/>
+            <p14:sldId id="553"/>
           </p14:sldIdLst>
         </p14:section>
       </p14:sectionLst>
@@ -150,6 +152,14 @@
     </p:extLst>
   </p:cmAuthor>
 </p:cmAuthorLst>
+</file>
+
+<file path=ppt/revisionInfo.xml><?xml version="1.0" encoding="utf-8"?>
+<p1510:revInfo xmlns:a="http://schemas.openxmlformats.org/drawingml/2006/main" xmlns:r="http://schemas.openxmlformats.org/officeDocument/2006/relationships" xmlns:p1510="http://schemas.microsoft.com/office/powerpoint/2015/10/main">
+  <p1510:revLst>
+    <p1510:client id="{92013353-FE8C-4164-9432-D79C5022EB26}" v="1" dt="2025-10-16T16:34:33.776"/>
+  </p1510:revLst>
+</p1510:revInfo>
 </file>
 
 <file path=ppt/changesInfos/changesInfo1.xml><?xml version="1.0" encoding="utf-8"?>
@@ -285,22 +295,6 @@
           <pc:docMk/>
           <pc:sldMk cId="1138490514" sldId="543"/>
         </pc:sldMkLst>
-        <pc:spChg chg="mod">
-          <ac:chgData name="Dan Miller" userId="42672743-8b5b-4088-95cb-a4a5aec0836b" providerId="ADAL" clId="{6F7F4701-EDDF-4AB7-8E3E-8A4FDD7D2DB9}" dt="2025-04-11T20:36:10.522" v="30" actId="20577"/>
-          <ac:spMkLst>
-            <pc:docMk/>
-            <pc:sldMk cId="1138490514" sldId="543"/>
-            <ac:spMk id="59" creationId="{E8ECDB52-01A7-4ACA-9122-74CAEF315304}"/>
-          </ac:spMkLst>
-        </pc:spChg>
-        <pc:spChg chg="mod">
-          <ac:chgData name="Dan Miller" userId="42672743-8b5b-4088-95cb-a4a5aec0836b" providerId="ADAL" clId="{6F7F4701-EDDF-4AB7-8E3E-8A4FDD7D2DB9}" dt="2025-04-11T20:35:32.563" v="8" actId="20577"/>
-          <ac:spMkLst>
-            <pc:docMk/>
-            <pc:sldMk cId="1138490514" sldId="543"/>
-            <ac:spMk id="63" creationId="{4FE76712-88F7-4EFF-85E5-2F4619A22CB3}"/>
-          </ac:spMkLst>
-        </pc:spChg>
       </pc:sldChg>
     </pc:docChg>
   </pc:docChgLst>
@@ -370,6 +364,114 @@
     </pc:docChg>
   </pc:docChgLst>
   <pc:docChgLst>
+    <pc:chgData name="Dan Miller" userId="42672743-8b5b-4088-95cb-a4a5aec0836b" providerId="ADAL" clId="{75FDCA49-3E93-4374-9006-36FEFB3EE1A2}"/>
+    <pc:docChg chg="undo custSel addSld delSld modSld sldOrd modSection">
+      <pc:chgData name="Dan Miller" userId="42672743-8b5b-4088-95cb-a4a5aec0836b" providerId="ADAL" clId="{75FDCA49-3E93-4374-9006-36FEFB3EE1A2}" dt="2025-10-16T18:56:37.327" v="375" actId="47"/>
+      <pc:docMkLst>
+        <pc:docMk/>
+      </pc:docMkLst>
+      <pc:sldChg chg="delSp modSp mod">
+        <pc:chgData name="Dan Miller" userId="42672743-8b5b-4088-95cb-a4a5aec0836b" providerId="ADAL" clId="{75FDCA49-3E93-4374-9006-36FEFB3EE1A2}" dt="2025-10-16T16:34:35.389" v="3" actId="478"/>
+        <pc:sldMkLst>
+          <pc:docMk/>
+          <pc:sldMk cId="1138490514" sldId="543"/>
+        </pc:sldMkLst>
+        <pc:spChg chg="del mod">
+          <ac:chgData name="Dan Miller" userId="42672743-8b5b-4088-95cb-a4a5aec0836b" providerId="ADAL" clId="{75FDCA49-3E93-4374-9006-36FEFB3EE1A2}" dt="2025-10-16T16:34:35.389" v="3" actId="478"/>
+          <ac:spMkLst>
+            <pc:docMk/>
+            <pc:sldMk cId="1138490514" sldId="543"/>
+            <ac:spMk id="28" creationId="{02E10CDB-2E0E-3619-BB01-29786CA9800E}"/>
+          </ac:spMkLst>
+        </pc:spChg>
+        <pc:picChg chg="del">
+          <ac:chgData name="Dan Miller" userId="42672743-8b5b-4088-95cb-a4a5aec0836b" providerId="ADAL" clId="{75FDCA49-3E93-4374-9006-36FEFB3EE1A2}" dt="2025-10-16T16:34:33.775" v="2" actId="478"/>
+          <ac:picMkLst>
+            <pc:docMk/>
+            <pc:sldMk cId="1138490514" sldId="543"/>
+            <ac:picMk id="22" creationId="{54EECB57-5C94-D69E-CFD7-ACF28B6E6029}"/>
+          </ac:picMkLst>
+        </pc:picChg>
+        <pc:cxnChg chg="del">
+          <ac:chgData name="Dan Miller" userId="42672743-8b5b-4088-95cb-a4a5aec0836b" providerId="ADAL" clId="{75FDCA49-3E93-4374-9006-36FEFB3EE1A2}" dt="2025-10-16T16:34:32.148" v="0" actId="478"/>
+          <ac:cxnSpMkLst>
+            <pc:docMk/>
+            <pc:sldMk cId="1138490514" sldId="543"/>
+            <ac:cxnSpMk id="24" creationId="{A49012D9-8540-3404-7174-B542AD54C003}"/>
+          </ac:cxnSpMkLst>
+        </pc:cxnChg>
+      </pc:sldChg>
+      <pc:sldChg chg="modSp mod">
+        <pc:chgData name="Dan Miller" userId="42672743-8b5b-4088-95cb-a4a5aec0836b" providerId="ADAL" clId="{75FDCA49-3E93-4374-9006-36FEFB3EE1A2}" dt="2025-10-16T18:55:26.291" v="374" actId="15"/>
+        <pc:sldMkLst>
+          <pc:docMk/>
+          <pc:sldMk cId="3022129024" sldId="544"/>
+        </pc:sldMkLst>
+        <pc:spChg chg="mod">
+          <ac:chgData name="Dan Miller" userId="42672743-8b5b-4088-95cb-a4a5aec0836b" providerId="ADAL" clId="{75FDCA49-3E93-4374-9006-36FEFB3EE1A2}" dt="2025-10-16T18:55:26.291" v="374" actId="15"/>
+          <ac:spMkLst>
+            <pc:docMk/>
+            <pc:sldMk cId="3022129024" sldId="544"/>
+            <ac:spMk id="5" creationId="{E17D8C23-2334-404D-841B-B22B15D8EE78}"/>
+          </ac:spMkLst>
+        </pc:spChg>
+      </pc:sldChg>
+      <pc:sldChg chg="del">
+        <pc:chgData name="Dan Miller" userId="42672743-8b5b-4088-95cb-a4a5aec0836b" providerId="ADAL" clId="{75FDCA49-3E93-4374-9006-36FEFB3EE1A2}" dt="2025-10-16T18:56:37.327" v="375" actId="47"/>
+        <pc:sldMkLst>
+          <pc:docMk/>
+          <pc:sldMk cId="3033370183" sldId="546"/>
+        </pc:sldMkLst>
+      </pc:sldChg>
+      <pc:sldChg chg="modSp new mod">
+        <pc:chgData name="Dan Miller" userId="42672743-8b5b-4088-95cb-a4a5aec0836b" providerId="ADAL" clId="{75FDCA49-3E93-4374-9006-36FEFB3EE1A2}" dt="2025-10-16T16:54:13.244" v="265" actId="404"/>
+        <pc:sldMkLst>
+          <pc:docMk/>
+          <pc:sldMk cId="387995674" sldId="553"/>
+        </pc:sldMkLst>
+        <pc:spChg chg="mod">
+          <ac:chgData name="Dan Miller" userId="42672743-8b5b-4088-95cb-a4a5aec0836b" providerId="ADAL" clId="{75FDCA49-3E93-4374-9006-36FEFB3EE1A2}" dt="2025-10-16T16:46:46.042" v="13" actId="20577"/>
+          <ac:spMkLst>
+            <pc:docMk/>
+            <pc:sldMk cId="387995674" sldId="553"/>
+            <ac:spMk id="2" creationId="{F8C755A8-3A3F-4212-2031-9910A3CC6648}"/>
+          </ac:spMkLst>
+        </pc:spChg>
+        <pc:spChg chg="mod">
+          <ac:chgData name="Dan Miller" userId="42672743-8b5b-4088-95cb-a4a5aec0836b" providerId="ADAL" clId="{75FDCA49-3E93-4374-9006-36FEFB3EE1A2}" dt="2025-10-16T16:54:13.244" v="265" actId="404"/>
+          <ac:spMkLst>
+            <pc:docMk/>
+            <pc:sldMk cId="387995674" sldId="553"/>
+            <ac:spMk id="3" creationId="{F3BA3939-46FF-8796-B8F4-BFC848C34B0D}"/>
+          </ac:spMkLst>
+        </pc:spChg>
+      </pc:sldChg>
+      <pc:sldChg chg="modSp new mod ord">
+        <pc:chgData name="Dan Miller" userId="42672743-8b5b-4088-95cb-a4a5aec0836b" providerId="ADAL" clId="{75FDCA49-3E93-4374-9006-36FEFB3EE1A2}" dt="2025-10-16T18:40:48.119" v="372" actId="403"/>
+        <pc:sldMkLst>
+          <pc:docMk/>
+          <pc:sldMk cId="1260071688" sldId="554"/>
+        </pc:sldMkLst>
+        <pc:spChg chg="mod">
+          <ac:chgData name="Dan Miller" userId="42672743-8b5b-4088-95cb-a4a5aec0836b" providerId="ADAL" clId="{75FDCA49-3E93-4374-9006-36FEFB3EE1A2}" dt="2025-10-16T17:36:13.220" v="274" actId="20577"/>
+          <ac:spMkLst>
+            <pc:docMk/>
+            <pc:sldMk cId="1260071688" sldId="554"/>
+            <ac:spMk id="2" creationId="{B95FC165-D3DE-B526-789E-ABDB280DD8EB}"/>
+          </ac:spMkLst>
+        </pc:spChg>
+        <pc:spChg chg="mod">
+          <ac:chgData name="Dan Miller" userId="42672743-8b5b-4088-95cb-a4a5aec0836b" providerId="ADAL" clId="{75FDCA49-3E93-4374-9006-36FEFB3EE1A2}" dt="2025-10-16T18:40:48.119" v="372" actId="403"/>
+          <ac:spMkLst>
+            <pc:docMk/>
+            <pc:sldMk cId="1260071688" sldId="554"/>
+            <ac:spMk id="3" creationId="{D145232B-A673-99F1-7A6F-D933E5F21313}"/>
+          </ac:spMkLst>
+        </pc:spChg>
+      </pc:sldChg>
+    </pc:docChg>
+  </pc:docChgLst>
+  <pc:docChgLst>
     <pc:chgData name="Daniel Miller" userId="42672743-8b5b-4088-95cb-a4a5aec0836b" providerId="ADAL" clId="{9716BC18-D29A-48B1-B36D-BCD51975F355}"/>
     <pc:docChg chg="modSld">
       <pc:chgData name="Daniel Miller" userId="42672743-8b5b-4088-95cb-a4a5aec0836b" providerId="ADAL" clId="{9716BC18-D29A-48B1-B36D-BCD51975F355}" dt="2021-10-20T20:11:21.439" v="21" actId="6549"/>
@@ -470,7 +572,7 @@
           <a:p>
             <a:fld id="{1808AFC8-AD1D-44AC-A812-7819695DFF9D}" type="datetimeFigureOut">
               <a:rPr lang="en-US" smtClean="0"/>
-              <a:t>4/11/2025</a:t>
+              <a:t>10/16/2025</a:t>
             </a:fld>
             <a:endParaRPr lang="en-US" dirty="0"/>
           </a:p>
@@ -635,7 +737,7 @@
           <a:p>
             <a:fld id="{59C4FF77-3FD9-4243-ABDA-5B43BF5E6DCE}" type="datetimeFigureOut">
               <a:rPr lang="en-US" smtClean="0"/>
-              <a:t>4/11/2025</a:t>
+              <a:t>10/16/2025</a:t>
             </a:fld>
             <a:endParaRPr lang="en-US" dirty="0"/>
           </a:p>
@@ -1044,6 +1146,13 @@
             <a:schemeClr val="lt1"/>
           </a:fontRef>
         </p:style>
+        <p:txBody>
+          <a:bodyPr/>
+          <a:lstStyle/>
+          <a:p>
+            <a:endParaRPr lang="en-US"/>
+          </a:p>
+        </p:txBody>
       </p:sp>
       <p:sp>
         <p:nvSpPr>
@@ -1236,7 +1345,7 @@
           <a:p>
             <a:fld id="{69BA2409-4EC9-4863-87AA-33B84AADB0EF}" type="datetime1">
               <a:rPr lang="en-US" smtClean="0"/>
-              <a:t>4/11/2025</a:t>
+              <a:t>10/16/2025</a:t>
             </a:fld>
             <a:endParaRPr lang="en-US" dirty="0"/>
           </a:p>
@@ -1427,7 +1536,7 @@
           <a:p>
             <a:fld id="{29881047-CF3A-4508-B134-659221617051}" type="datetime1">
               <a:rPr lang="en-US" smtClean="0"/>
-              <a:t>4/11/2025</a:t>
+              <a:t>10/16/2025</a:t>
             </a:fld>
             <a:endParaRPr lang="en-US" dirty="0"/>
           </a:p>
@@ -1725,7 +1834,7 @@
           <a:p>
             <a:fld id="{249343CD-E14F-44AF-ACDC-6C570D9AE07E}" type="datetime1">
               <a:rPr lang="en-US" smtClean="0"/>
-              <a:t>4/11/2025</a:t>
+              <a:t>10/16/2025</a:t>
             </a:fld>
             <a:endParaRPr lang="en-US" dirty="0"/>
           </a:p>
@@ -1961,7 +2070,7 @@
           <a:p>
             <a:fld id="{24559AD3-7425-4E24-A5A3-AF1D62A56AAC}" type="datetime1">
               <a:rPr lang="en-US" smtClean="0"/>
-              <a:t>4/11/2025</a:t>
+              <a:t>10/16/2025</a:t>
             </a:fld>
             <a:endParaRPr lang="en-US" dirty="0"/>
           </a:p>
@@ -2268,7 +2377,7 @@
           <a:p>
             <a:fld id="{379954A6-B809-4684-A6C2-E7533205D9E2}" type="datetime1">
               <a:rPr lang="en-US" smtClean="0"/>
-              <a:t>4/11/2025</a:t>
+              <a:t>10/16/2025</a:t>
             </a:fld>
             <a:endParaRPr lang="en-US" dirty="0"/>
           </a:p>
@@ -2499,7 +2608,7 @@
           <a:p>
             <a:fld id="{B789A2BB-CB63-4F58-B3E0-A3DFEA0E9563}" type="datetime1">
               <a:rPr lang="en-US" smtClean="0"/>
-              <a:t>4/11/2025</a:t>
+              <a:t>10/16/2025</a:t>
             </a:fld>
             <a:endParaRPr lang="en-US" dirty="0"/>
           </a:p>
@@ -2917,7 +3026,7 @@
           <a:p>
             <a:fld id="{BFADC4EF-A652-4940-9783-282036610D2C}" type="datetime1">
               <a:rPr lang="en-US" smtClean="0"/>
-              <a:t>4/11/2025</a:t>
+              <a:t>10/16/2025</a:t>
             </a:fld>
             <a:endParaRPr lang="en-US" dirty="0"/>
           </a:p>
@@ -3075,7 +3184,7 @@
           <a:p>
             <a:fld id="{8437ACF5-A597-4416-9F56-8DD18D24A0BD}" type="datetime1">
               <a:rPr lang="en-US" smtClean="0"/>
-              <a:t>4/11/2025</a:t>
+              <a:t>10/16/2025</a:t>
             </a:fld>
             <a:endParaRPr lang="en-US" dirty="0"/>
           </a:p>
@@ -3233,7 +3342,7 @@
           <a:p>
             <a:fld id="{1E898E2F-A81E-4448-80E8-4A236CB9277C}" type="datetime1">
               <a:rPr lang="en-US" smtClean="0"/>
-              <a:t>4/11/2025</a:t>
+              <a:t>10/16/2025</a:t>
             </a:fld>
             <a:endParaRPr lang="en-US" dirty="0"/>
           </a:p>
@@ -3607,7 +3716,7 @@
           <a:p>
             <a:fld id="{1DD370BB-9E1A-4DFF-B113-E28105CC0C97}" type="datetime1">
               <a:rPr lang="en-US" smtClean="0"/>
-              <a:t>4/11/2025</a:t>
+              <a:t>10/16/2025</a:t>
             </a:fld>
             <a:endParaRPr lang="en-US" dirty="0"/>
           </a:p>
@@ -3892,7 +4001,7 @@
           <a:p>
             <a:fld id="{C48F6BED-047F-4469-811B-B85ECBE88DE1}" type="datetime1">
               <a:rPr lang="en-US" smtClean="0"/>
-              <a:t>4/11/2025</a:t>
+              <a:t>10/16/2025</a:t>
             </a:fld>
             <a:endParaRPr lang="en-US" dirty="0"/>
           </a:p>
@@ -4215,6 +4324,13 @@
             <a:schemeClr val="lt1"/>
           </a:fontRef>
         </p:style>
+        <p:txBody>
+          <a:bodyPr/>
+          <a:lstStyle/>
+          <a:p>
+            <a:endParaRPr lang="en-US"/>
+          </a:p>
+        </p:txBody>
       </p:sp>
       <p:sp>
         <p:nvSpPr>
@@ -4252,6 +4368,13 @@
             <a:schemeClr val="lt1"/>
           </a:fontRef>
         </p:style>
+        <p:txBody>
+          <a:bodyPr/>
+          <a:lstStyle/>
+          <a:p>
+            <a:endParaRPr lang="en-US"/>
+          </a:p>
+        </p:txBody>
       </p:sp>
       <p:sp>
         <p:nvSpPr>
@@ -4289,6 +4412,13 @@
             <a:schemeClr val="lt1"/>
           </a:fontRef>
         </p:style>
+        <p:txBody>
+          <a:bodyPr/>
+          <a:lstStyle/>
+          <a:p>
+            <a:endParaRPr lang="en-US"/>
+          </a:p>
+        </p:txBody>
       </p:sp>
       <p:pic>
         <p:nvPicPr>
@@ -4803,6 +4933,142 @@
       </p:grpSpPr>
       <p:sp>
         <p:nvSpPr>
+          <p:cNvPr id="2" name="Title 1">
+            <a:extLst>
+              <a:ext uri="{FF2B5EF4-FFF2-40B4-BE49-F238E27FC236}">
+                <a16:creationId xmlns:a16="http://schemas.microsoft.com/office/drawing/2014/main" id="{B95FC165-D3DE-B526-789E-ABDB280DD8EB}"/>
+              </a:ext>
+            </a:extLst>
+          </p:cNvPr>
+          <p:cNvSpPr>
+            <a:spLocks noGrp="1"/>
+          </p:cNvSpPr>
+          <p:nvPr>
+            <p:ph type="title"/>
+          </p:nvPr>
+        </p:nvSpPr>
+        <p:spPr/>
+        <p:txBody>
+          <a:bodyPr/>
+          <a:lstStyle/>
+          <a:p>
+            <a:r>
+              <a:rPr lang="en-US" dirty="0"/>
+              <a:t>Agenda</a:t>
+            </a:r>
+          </a:p>
+        </p:txBody>
+      </p:sp>
+      <p:sp>
+        <p:nvSpPr>
+          <p:cNvPr id="3" name="Content Placeholder 2">
+            <a:extLst>
+              <a:ext uri="{FF2B5EF4-FFF2-40B4-BE49-F238E27FC236}">
+                <a16:creationId xmlns:a16="http://schemas.microsoft.com/office/drawing/2014/main" id="{D145232B-A673-99F1-7A6F-D933E5F21313}"/>
+              </a:ext>
+            </a:extLst>
+          </p:cNvPr>
+          <p:cNvSpPr>
+            <a:spLocks noGrp="1"/>
+          </p:cNvSpPr>
+          <p:nvPr>
+            <p:ph idx="1"/>
+          </p:nvPr>
+        </p:nvSpPr>
+        <p:spPr/>
+        <p:txBody>
+          <a:bodyPr>
+            <a:normAutofit/>
+          </a:bodyPr>
+          <a:lstStyle/>
+          <a:p>
+            <a:r>
+              <a:rPr lang="en-US" sz="3200" dirty="0"/>
+              <a:t>Why AnchorPro?</a:t>
+            </a:r>
+          </a:p>
+          <a:p>
+            <a:r>
+              <a:rPr lang="en-US" sz="3200" dirty="0"/>
+              <a:t>What is AnchorPro?</a:t>
+            </a:r>
+          </a:p>
+          <a:p>
+            <a:r>
+              <a:rPr lang="en-US" sz="3200" dirty="0"/>
+              <a:t>Use Cases</a:t>
+            </a:r>
+          </a:p>
+          <a:p>
+            <a:r>
+              <a:rPr lang="en-US" sz="3200" dirty="0"/>
+              <a:t>Where to find it?</a:t>
+            </a:r>
+          </a:p>
+        </p:txBody>
+      </p:sp>
+      <p:sp>
+        <p:nvSpPr>
+          <p:cNvPr id="4" name="Slide Number Placeholder 3">
+            <a:extLst>
+              <a:ext uri="{FF2B5EF4-FFF2-40B4-BE49-F238E27FC236}">
+                <a16:creationId xmlns:a16="http://schemas.microsoft.com/office/drawing/2014/main" id="{35E4776A-E08E-AA16-1489-E4A6D05606DA}"/>
+              </a:ext>
+            </a:extLst>
+          </p:cNvPr>
+          <p:cNvSpPr>
+            <a:spLocks noGrp="1"/>
+          </p:cNvSpPr>
+          <p:nvPr>
+            <p:ph type="sldNum" sz="quarter" idx="12"/>
+          </p:nvPr>
+        </p:nvSpPr>
+        <p:spPr/>
+        <p:txBody>
+          <a:bodyPr/>
+          <a:lstStyle/>
+          <a:p>
+            <a:fld id="{D57F1E4F-1CFF-5643-939E-217C01CDF565}" type="slidenum">
+              <a:rPr lang="en-US" smtClean="0"/>
+              <a:pPr/>
+              <a:t>2</a:t>
+            </a:fld>
+            <a:endParaRPr lang="en-US" dirty="0"/>
+          </a:p>
+        </p:txBody>
+      </p:sp>
+    </p:spTree>
+    <p:extLst>
+      <p:ext uri="{BB962C8B-B14F-4D97-AF65-F5344CB8AC3E}">
+        <p14:creationId xmlns:p14="http://schemas.microsoft.com/office/powerpoint/2010/main" val="1260071688"/>
+      </p:ext>
+    </p:extLst>
+  </p:cSld>
+  <p:clrMapOvr>
+    <a:masterClrMapping/>
+  </p:clrMapOvr>
+</p:sld>
+</file>
+
+<file path=ppt/slides/slide3.xml><?xml version="1.0" encoding="utf-8"?>
+<p:sld xmlns:a="http://schemas.openxmlformats.org/drawingml/2006/main" xmlns:r="http://schemas.openxmlformats.org/officeDocument/2006/relationships" xmlns:p="http://schemas.openxmlformats.org/presentationml/2006/main">
+  <p:cSld>
+    <p:spTree>
+      <p:nvGrpSpPr>
+        <p:cNvPr id="1" name=""/>
+        <p:cNvGrpSpPr/>
+        <p:nvPr/>
+      </p:nvGrpSpPr>
+      <p:grpSpPr>
+        <a:xfrm>
+          <a:off x="0" y="0"/>
+          <a:ext cx="0" cy="0"/>
+          <a:chOff x="0" y="0"/>
+          <a:chExt cx="0" cy="0"/>
+        </a:xfrm>
+      </p:grpSpPr>
+      <p:sp>
+        <p:nvSpPr>
           <p:cNvPr id="19" name="Rectangle 18">
             <a:extLst>
               <a:ext uri="{FF2B5EF4-FFF2-40B4-BE49-F238E27FC236}">
@@ -5033,7 +5299,7 @@
             <a:fld id="{D57F1E4F-1CFF-5643-939E-217C01CDF565}" type="slidenum">
               <a:rPr lang="en-US" smtClean="0"/>
               <a:pPr/>
-              <a:t>2</a:t>
+              <a:t>3</a:t>
             </a:fld>
             <a:endParaRPr lang="en-US" dirty="0"/>
           </a:p>
@@ -5915,130 +6181,6 @@
           </a:fontRef>
         </p:style>
       </p:cxnSp>
-      <p:pic>
-        <p:nvPicPr>
-          <p:cNvPr id="22" name="Picture 4" descr="Revit Architecture 2016: Find the best Autodesk deals">
-            <a:extLst>
-              <a:ext uri="{FF2B5EF4-FFF2-40B4-BE49-F238E27FC236}">
-                <a16:creationId xmlns:a16="http://schemas.microsoft.com/office/drawing/2014/main" id="{54EECB57-5C94-D69E-CFD7-ACF28B6E6029}"/>
-              </a:ext>
-            </a:extLst>
-          </p:cNvPr>
-          <p:cNvPicPr>
-            <a:picLocks noChangeAspect="1" noChangeArrowheads="1"/>
-          </p:cNvPicPr>
-          <p:nvPr/>
-        </p:nvPicPr>
-        <p:blipFill>
-          <a:blip r:embed="rId9">
-            <a:extLst>
-              <a:ext uri="{28A0092B-C50C-407E-A947-70E740481C1C}">
-                <a14:useLocalDpi xmlns:a14="http://schemas.microsoft.com/office/drawing/2010/main" val="0"/>
-              </a:ext>
-            </a:extLst>
-          </a:blip>
-          <a:srcRect/>
-          <a:stretch>
-            <a:fillRect/>
-          </a:stretch>
-        </p:blipFill>
-        <p:spPr bwMode="auto">
-          <a:xfrm>
-            <a:off x="9932079" y="5016866"/>
-            <a:ext cx="1302646" cy="1302646"/>
-          </a:xfrm>
-          <a:prstGeom prst="rect">
-            <a:avLst/>
-          </a:prstGeom>
-          <a:noFill/>
-          <a:extLst>
-            <a:ext uri="{909E8E84-426E-40DD-AFC4-6F175D3DCCD1}">
-              <a14:hiddenFill xmlns:a14="http://schemas.microsoft.com/office/drawing/2010/main">
-                <a:solidFill>
-                  <a:srgbClr val="FFFFFF"/>
-                </a:solidFill>
-              </a14:hiddenFill>
-            </a:ext>
-          </a:extLst>
-        </p:spPr>
-      </p:pic>
-      <p:cxnSp>
-        <p:nvCxnSpPr>
-          <p:cNvPr id="24" name="Straight Arrow Connector 23">
-            <a:extLst>
-              <a:ext uri="{FF2B5EF4-FFF2-40B4-BE49-F238E27FC236}">
-                <a16:creationId xmlns:a16="http://schemas.microsoft.com/office/drawing/2014/main" id="{A49012D9-8540-3404-7174-B542AD54C003}"/>
-              </a:ext>
-            </a:extLst>
-          </p:cNvPr>
-          <p:cNvCxnSpPr>
-            <a:cxnSpLocks/>
-          </p:cNvCxnSpPr>
-          <p:nvPr/>
-        </p:nvCxnSpPr>
-        <p:spPr>
-          <a:xfrm>
-            <a:off x="8642220" y="2233130"/>
-            <a:ext cx="849460" cy="2398781"/>
-          </a:xfrm>
-          <a:prstGeom prst="straightConnector1">
-            <a:avLst/>
-          </a:prstGeom>
-          <a:ln w="28575">
-            <a:tailEnd type="triangle"/>
-          </a:ln>
-        </p:spPr>
-        <p:style>
-          <a:lnRef idx="1">
-            <a:schemeClr val="accent1"/>
-          </a:lnRef>
-          <a:fillRef idx="0">
-            <a:schemeClr val="accent1"/>
-          </a:fillRef>
-          <a:effectRef idx="0">
-            <a:schemeClr val="accent1"/>
-          </a:effectRef>
-          <a:fontRef idx="minor">
-            <a:schemeClr val="tx1"/>
-          </a:fontRef>
-        </p:style>
-      </p:cxnSp>
-      <p:sp>
-        <p:nvSpPr>
-          <p:cNvPr id="28" name="TextBox 27">
-            <a:extLst>
-              <a:ext uri="{FF2B5EF4-FFF2-40B4-BE49-F238E27FC236}">
-                <a16:creationId xmlns:a16="http://schemas.microsoft.com/office/drawing/2014/main" id="{02E10CDB-2E0E-3619-BB01-29786CA9800E}"/>
-              </a:ext>
-            </a:extLst>
-          </p:cNvPr>
-          <p:cNvSpPr txBox="1"/>
-          <p:nvPr/>
-        </p:nvSpPr>
-        <p:spPr>
-          <a:xfrm>
-            <a:off x="8997412" y="4613806"/>
-            <a:ext cx="2950362" cy="369332"/>
-          </a:xfrm>
-          <a:prstGeom prst="rect">
-            <a:avLst/>
-          </a:prstGeom>
-          <a:noFill/>
-        </p:spPr>
-        <p:txBody>
-          <a:bodyPr wrap="square" rtlCol="0">
-            <a:spAutoFit/>
-          </a:bodyPr>
-          <a:lstStyle/>
-          <a:p>
-            <a:pPr algn="ctr"/>
-            <a:r>
-              <a:rPr lang="en-US" dirty="0"/>
-              <a:t>Develop Drawing Details</a:t>
-            </a:r>
-          </a:p>
-        </p:txBody>
-      </p:sp>
     </p:spTree>
     <p:extLst>
       <p:ext uri="{BB962C8B-B14F-4D97-AF65-F5344CB8AC3E}">
@@ -6052,7 +6194,7 @@
 </p:sld>
 </file>
 
-<file path=ppt/slides/slide3.xml><?xml version="1.0" encoding="utf-8"?>
+<file path=ppt/slides/slide4.xml><?xml version="1.0" encoding="utf-8"?>
 <p:sld xmlns:a="http://schemas.openxmlformats.org/drawingml/2006/main" xmlns:r="http://schemas.openxmlformats.org/officeDocument/2006/relationships" xmlns:p="http://schemas.openxmlformats.org/presentationml/2006/main">
   <p:cSld>
     <p:spTree>
@@ -6121,7 +6263,7 @@
             <a:fld id="{D57F1E4F-1CFF-5643-939E-217C01CDF565}" type="slidenum">
               <a:rPr lang="en-US" smtClean="0"/>
               <a:pPr/>
-              <a:t>3</a:t>
+              <a:t>4</a:t>
             </a:fld>
             <a:endParaRPr lang="en-US" dirty="0"/>
           </a:p>
@@ -6403,7 +6545,7 @@
 </p:sld>
 </file>
 
-<file path=ppt/slides/slide4.xml><?xml version="1.0" encoding="utf-8"?>
+<file path=ppt/slides/slide5.xml><?xml version="1.0" encoding="utf-8"?>
 <p:sld xmlns:a="http://schemas.openxmlformats.org/drawingml/2006/main" xmlns:r="http://schemas.openxmlformats.org/officeDocument/2006/relationships" xmlns:p="http://schemas.openxmlformats.org/presentationml/2006/main">
   <p:cSld>
     <p:spTree>
@@ -6542,7 +6684,7 @@
             <a:fld id="{D57F1E4F-1CFF-5643-939E-217C01CDF565}" type="slidenum">
               <a:rPr lang="en-US" smtClean="0"/>
               <a:pPr/>
-              <a:t>4</a:t>
+              <a:t>5</a:t>
             </a:fld>
             <a:endParaRPr lang="en-US" dirty="0"/>
           </a:p>
@@ -7242,377 +7384,6 @@
 </p:sld>
 </file>
 
-<file path=ppt/slides/slide5.xml><?xml version="1.0" encoding="utf-8"?>
-<p:sld xmlns:a="http://schemas.openxmlformats.org/drawingml/2006/main" xmlns:r="http://schemas.openxmlformats.org/officeDocument/2006/relationships" xmlns:p="http://schemas.openxmlformats.org/presentationml/2006/main">
-  <p:cSld>
-    <p:spTree>
-      <p:nvGrpSpPr>
-        <p:cNvPr id="1" name=""/>
-        <p:cNvGrpSpPr/>
-        <p:nvPr/>
-      </p:nvGrpSpPr>
-      <p:grpSpPr>
-        <a:xfrm>
-          <a:off x="0" y="0"/>
-          <a:ext cx="0" cy="0"/>
-          <a:chOff x="0" y="0"/>
-          <a:chExt cx="0" cy="0"/>
-        </a:xfrm>
-      </p:grpSpPr>
-      <p:sp>
-        <p:nvSpPr>
-          <p:cNvPr id="2" name="Title 1">
-            <a:extLst>
-              <a:ext uri="{FF2B5EF4-FFF2-40B4-BE49-F238E27FC236}">
-                <a16:creationId xmlns:a16="http://schemas.microsoft.com/office/drawing/2014/main" id="{1B544B01-0BD8-42A0-AE92-B538C7E954B6}"/>
-              </a:ext>
-            </a:extLst>
-          </p:cNvPr>
-          <p:cNvSpPr>
-            <a:spLocks noGrp="1"/>
-          </p:cNvSpPr>
-          <p:nvPr>
-            <p:ph type="title"/>
-          </p:nvPr>
-        </p:nvSpPr>
-        <p:spPr/>
-        <p:txBody>
-          <a:bodyPr/>
-          <a:lstStyle/>
-          <a:p>
-            <a:r>
-              <a:rPr lang="en-US" dirty="0"/>
-              <a:t>Automated Equipment Anchorage</a:t>
-            </a:r>
-          </a:p>
-        </p:txBody>
-      </p:sp>
-      <p:sp>
-        <p:nvSpPr>
-          <p:cNvPr id="4" name="Slide Number Placeholder 3">
-            <a:extLst>
-              <a:ext uri="{FF2B5EF4-FFF2-40B4-BE49-F238E27FC236}">
-                <a16:creationId xmlns:a16="http://schemas.microsoft.com/office/drawing/2014/main" id="{D982125C-55E9-4800-A4E3-CAB0B9C9A969}"/>
-              </a:ext>
-            </a:extLst>
-          </p:cNvPr>
-          <p:cNvSpPr>
-            <a:spLocks noGrp="1"/>
-          </p:cNvSpPr>
-          <p:nvPr>
-            <p:ph type="sldNum" sz="quarter" idx="12"/>
-          </p:nvPr>
-        </p:nvSpPr>
-        <p:spPr/>
-        <p:txBody>
-          <a:bodyPr/>
-          <a:lstStyle/>
-          <a:p>
-            <a:fld id="{D57F1E4F-1CFF-5643-939E-217C01CDF565}" type="slidenum">
-              <a:rPr lang="en-US" smtClean="0"/>
-              <a:pPr/>
-              <a:t>5</a:t>
-            </a:fld>
-            <a:endParaRPr lang="en-US" dirty="0"/>
-          </a:p>
-        </p:txBody>
-      </p:sp>
-      <p:sp>
-        <p:nvSpPr>
-          <p:cNvPr id="5" name="Content Placeholder 61">
-            <a:extLst>
-              <a:ext uri="{FF2B5EF4-FFF2-40B4-BE49-F238E27FC236}">
-                <a16:creationId xmlns:a16="http://schemas.microsoft.com/office/drawing/2014/main" id="{E17D8C23-2334-404D-841B-B22B15D8EE78}"/>
-              </a:ext>
-            </a:extLst>
-          </p:cNvPr>
-          <p:cNvSpPr txBox="1">
-            <a:spLocks/>
-          </p:cNvSpPr>
-          <p:nvPr/>
-        </p:nvSpPr>
-        <p:spPr>
-          <a:xfrm>
-            <a:off x="689672" y="2135092"/>
-            <a:ext cx="10696487" cy="4159237"/>
-          </a:xfrm>
-          <a:prstGeom prst="rect">
-            <a:avLst/>
-          </a:prstGeom>
-        </p:spPr>
-        <p:txBody>
-          <a:bodyPr anchor="t" anchorCtr="0">
-            <a:normAutofit lnSpcReduction="10000"/>
-          </a:bodyPr>
-          <a:lstStyle>
-            <a:lvl1pPr marL="229500" indent="-229500" algn="l" defTabSz="342900" rtl="0" eaLnBrk="1" latinLnBrk="0" hangingPunct="1">
-              <a:spcBef>
-                <a:spcPct val="20000"/>
-              </a:spcBef>
-              <a:spcAft>
-                <a:spcPts val="450"/>
-              </a:spcAft>
-              <a:buClr>
-                <a:schemeClr val="accent2"/>
-              </a:buClr>
-              <a:buSzPct val="92000"/>
-              <a:buFont typeface="Wingdings 2" panose="05020102010507070707" pitchFamily="18" charset="2"/>
-              <a:buChar char=""/>
-              <a:defRPr sz="1350" kern="1200">
-                <a:solidFill>
-                  <a:schemeClr val="tx2"/>
-                </a:solidFill>
-                <a:latin typeface="+mn-lt"/>
-                <a:ea typeface="+mn-ea"/>
-                <a:cs typeface="+mn-cs"/>
-              </a:defRPr>
-            </a:lvl1pPr>
-            <a:lvl2pPr marL="472500" indent="-229500" algn="l" defTabSz="342900" rtl="0" eaLnBrk="1" latinLnBrk="0" hangingPunct="1">
-              <a:spcBef>
-                <a:spcPct val="20000"/>
-              </a:spcBef>
-              <a:spcAft>
-                <a:spcPts val="450"/>
-              </a:spcAft>
-              <a:buClr>
-                <a:schemeClr val="accent2"/>
-              </a:buClr>
-              <a:buSzPct val="92000"/>
-              <a:buFont typeface="Wingdings 2" panose="05020102010507070707" pitchFamily="18" charset="2"/>
-              <a:buChar char=""/>
-              <a:defRPr sz="1200" kern="1200">
-                <a:solidFill>
-                  <a:schemeClr val="tx2"/>
-                </a:solidFill>
-                <a:latin typeface="+mn-lt"/>
-                <a:ea typeface="+mn-ea"/>
-                <a:cs typeface="+mn-cs"/>
-              </a:defRPr>
-            </a:lvl2pPr>
-            <a:lvl3pPr marL="675000" indent="-202500" algn="l" defTabSz="342900" rtl="0" eaLnBrk="1" latinLnBrk="0" hangingPunct="1">
-              <a:spcBef>
-                <a:spcPct val="20000"/>
-              </a:spcBef>
-              <a:spcAft>
-                <a:spcPts val="450"/>
-              </a:spcAft>
-              <a:buClr>
-                <a:schemeClr val="accent2"/>
-              </a:buClr>
-              <a:buSzPct val="92000"/>
-              <a:buFont typeface="Wingdings 2" panose="05020102010507070707" pitchFamily="18" charset="2"/>
-              <a:buChar char=""/>
-              <a:defRPr sz="1050" kern="1200">
-                <a:solidFill>
-                  <a:schemeClr val="tx2"/>
-                </a:solidFill>
-                <a:latin typeface="+mn-lt"/>
-                <a:ea typeface="+mn-ea"/>
-                <a:cs typeface="+mn-cs"/>
-              </a:defRPr>
-            </a:lvl3pPr>
-            <a:lvl4pPr marL="931500" indent="-175500" algn="l" defTabSz="342900" rtl="0" eaLnBrk="1" latinLnBrk="0" hangingPunct="1">
-              <a:spcBef>
-                <a:spcPct val="20000"/>
-              </a:spcBef>
-              <a:spcAft>
-                <a:spcPts val="450"/>
-              </a:spcAft>
-              <a:buClr>
-                <a:schemeClr val="accent2"/>
-              </a:buClr>
-              <a:buSzPct val="92000"/>
-              <a:buFont typeface="Wingdings 2" panose="05020102010507070707" pitchFamily="18" charset="2"/>
-              <a:buChar char=""/>
-              <a:defRPr sz="900" kern="1200">
-                <a:solidFill>
-                  <a:schemeClr val="tx2"/>
-                </a:solidFill>
-                <a:latin typeface="+mn-lt"/>
-                <a:ea typeface="+mn-ea"/>
-                <a:cs typeface="+mn-cs"/>
-              </a:defRPr>
-            </a:lvl4pPr>
-            <a:lvl5pPr marL="1201500" indent="-175500" algn="l" defTabSz="342900" rtl="0" eaLnBrk="1" latinLnBrk="0" hangingPunct="1">
-              <a:spcBef>
-                <a:spcPct val="20000"/>
-              </a:spcBef>
-              <a:spcAft>
-                <a:spcPts val="450"/>
-              </a:spcAft>
-              <a:buClr>
-                <a:schemeClr val="accent2"/>
-              </a:buClr>
-              <a:buSzPct val="92000"/>
-              <a:buFont typeface="Wingdings 2" panose="05020102010507070707" pitchFamily="18" charset="2"/>
-              <a:buChar char=""/>
-              <a:defRPr sz="900" kern="1200">
-                <a:solidFill>
-                  <a:schemeClr val="tx2"/>
-                </a:solidFill>
-                <a:latin typeface="+mn-lt"/>
-                <a:ea typeface="+mn-ea"/>
-                <a:cs typeface="+mn-cs"/>
-              </a:defRPr>
-            </a:lvl5pPr>
-            <a:lvl6pPr marL="1425000" indent="-171450" algn="l" defTabSz="342900" rtl="0" eaLnBrk="1" latinLnBrk="0" hangingPunct="1">
-              <a:spcBef>
-                <a:spcPct val="20000"/>
-              </a:spcBef>
-              <a:spcAft>
-                <a:spcPts val="450"/>
-              </a:spcAft>
-              <a:buClr>
-                <a:schemeClr val="accent2"/>
-              </a:buClr>
-              <a:buSzPct val="92000"/>
-              <a:buFont typeface="Wingdings 2" panose="05020102010507070707" pitchFamily="18" charset="2"/>
-              <a:buChar char=""/>
-              <a:defRPr sz="900" kern="1200">
-                <a:solidFill>
-                  <a:schemeClr val="tx2"/>
-                </a:solidFill>
-                <a:latin typeface="+mn-lt"/>
-                <a:ea typeface="+mn-ea"/>
-                <a:cs typeface="+mn-cs"/>
-              </a:defRPr>
-            </a:lvl6pPr>
-            <a:lvl7pPr marL="1650000" indent="-171450" algn="l" defTabSz="342900" rtl="0" eaLnBrk="1" latinLnBrk="0" hangingPunct="1">
-              <a:spcBef>
-                <a:spcPct val="20000"/>
-              </a:spcBef>
-              <a:spcAft>
-                <a:spcPts val="450"/>
-              </a:spcAft>
-              <a:buClr>
-                <a:schemeClr val="accent2"/>
-              </a:buClr>
-              <a:buSzPct val="92000"/>
-              <a:buFont typeface="Wingdings 2" panose="05020102010507070707" pitchFamily="18" charset="2"/>
-              <a:buChar char=""/>
-              <a:defRPr sz="900" kern="1200">
-                <a:solidFill>
-                  <a:schemeClr val="tx2"/>
-                </a:solidFill>
-                <a:latin typeface="+mn-lt"/>
-                <a:ea typeface="+mn-ea"/>
-                <a:cs typeface="+mn-cs"/>
-              </a:defRPr>
-            </a:lvl7pPr>
-            <a:lvl8pPr marL="1875000" indent="-171450" algn="l" defTabSz="342900" rtl="0" eaLnBrk="1" latinLnBrk="0" hangingPunct="1">
-              <a:spcBef>
-                <a:spcPct val="20000"/>
-              </a:spcBef>
-              <a:spcAft>
-                <a:spcPts val="450"/>
-              </a:spcAft>
-              <a:buClr>
-                <a:schemeClr val="accent2"/>
-              </a:buClr>
-              <a:buSzPct val="92000"/>
-              <a:buFont typeface="Wingdings 2" panose="05020102010507070707" pitchFamily="18" charset="2"/>
-              <a:buChar char=""/>
-              <a:defRPr sz="900" kern="1200">
-                <a:solidFill>
-                  <a:schemeClr val="tx2"/>
-                </a:solidFill>
-                <a:latin typeface="+mn-lt"/>
-                <a:ea typeface="+mn-ea"/>
-                <a:cs typeface="+mn-cs"/>
-              </a:defRPr>
-            </a:lvl8pPr>
-            <a:lvl9pPr marL="2100000" indent="-171450" algn="l" defTabSz="342900" rtl="0" eaLnBrk="1" latinLnBrk="0" hangingPunct="1">
-              <a:spcBef>
-                <a:spcPct val="20000"/>
-              </a:spcBef>
-              <a:spcAft>
-                <a:spcPts val="450"/>
-              </a:spcAft>
-              <a:buClr>
-                <a:schemeClr val="accent2"/>
-              </a:buClr>
-              <a:buSzPct val="92000"/>
-              <a:buFont typeface="Wingdings 2" panose="05020102010507070707" pitchFamily="18" charset="2"/>
-              <a:buChar char=""/>
-              <a:defRPr sz="900" kern="1200">
-                <a:solidFill>
-                  <a:schemeClr val="tx2"/>
-                </a:solidFill>
-                <a:latin typeface="+mn-lt"/>
-                <a:ea typeface="+mn-ea"/>
-                <a:cs typeface="+mn-cs"/>
-              </a:defRPr>
-            </a:lvl9pPr>
-          </a:lstStyle>
-          <a:p>
-            <a:pPr marL="0" indent="0">
-              <a:buFont typeface="Wingdings 2" panose="05020102010507070707" pitchFamily="18" charset="2"/>
-              <a:buNone/>
-            </a:pPr>
-            <a:r>
-              <a:rPr lang="en-US" sz="4000" u="sng" dirty="0"/>
-              <a:t>Advantages</a:t>
-            </a:r>
-          </a:p>
-          <a:p>
-            <a:r>
-              <a:rPr lang="en-US" sz="2400" dirty="0"/>
-              <a:t>General: any geometry, any attachment configuration</a:t>
-            </a:r>
-          </a:p>
-          <a:p>
-            <a:r>
-              <a:rPr lang="en-US" sz="2400" dirty="0"/>
-              <a:t>Robust analysis methodology</a:t>
-            </a:r>
-          </a:p>
-          <a:p>
-            <a:r>
-              <a:rPr lang="en-US" sz="2400" dirty="0"/>
-              <a:t>One-stop-shop </a:t>
-            </a:r>
-          </a:p>
-          <a:p>
-            <a:pPr lvl="1"/>
-            <a:r>
-              <a:rPr lang="en-US" sz="2250" dirty="0"/>
-              <a:t>Vertically integrated calculations</a:t>
-            </a:r>
-          </a:p>
-          <a:p>
-            <a:pPr lvl="1"/>
-            <a:r>
-              <a:rPr lang="en-US" sz="2250" dirty="0"/>
-              <a:t>Anchorage products from multiple manufacturers</a:t>
-            </a:r>
-          </a:p>
-          <a:p>
-            <a:r>
-              <a:rPr lang="en-US" sz="2400" dirty="0"/>
-              <a:t>Automated: analyze multiple units and multiple anchor products with one click.</a:t>
-            </a:r>
-          </a:p>
-          <a:p>
-            <a:r>
-              <a:rPr lang="en-US" sz="2400" dirty="0"/>
-              <a:t>Professional</a:t>
-            </a:r>
-          </a:p>
-        </p:txBody>
-      </p:sp>
-    </p:spTree>
-    <p:extLst>
-      <p:ext uri="{BB962C8B-B14F-4D97-AF65-F5344CB8AC3E}">
-        <p14:creationId xmlns:p14="http://schemas.microsoft.com/office/powerpoint/2010/main" val="3033370183"/>
-      </p:ext>
-    </p:extLst>
-  </p:cSld>
-  <p:clrMapOvr>
-    <a:masterClrMapping/>
-  </p:clrMapOvr>
-</p:sld>
-</file>
-
 <file path=ppt/slides/slide6.xml><?xml version="1.0" encoding="utf-8"?>
 <p:sld xmlns:a="http://schemas.openxmlformats.org/drawingml/2006/main" xmlns:r="http://schemas.openxmlformats.org/officeDocument/2006/relationships" xmlns:p="http://schemas.openxmlformats.org/presentationml/2006/main">
   <p:cSld>
@@ -7955,6 +7726,158 @@
     <p:extLst>
       <p:ext uri="{BB962C8B-B14F-4D97-AF65-F5344CB8AC3E}">
         <p14:creationId xmlns:p14="http://schemas.microsoft.com/office/powerpoint/2010/main" val="1054139177"/>
+      </p:ext>
+    </p:extLst>
+  </p:cSld>
+  <p:clrMapOvr>
+    <a:masterClrMapping/>
+  </p:clrMapOvr>
+</p:sld>
+</file>
+
+<file path=ppt/slides/slide7.xml><?xml version="1.0" encoding="utf-8"?>
+<p:sld xmlns:a="http://schemas.openxmlformats.org/drawingml/2006/main" xmlns:r="http://schemas.openxmlformats.org/officeDocument/2006/relationships" xmlns:p="http://schemas.openxmlformats.org/presentationml/2006/main">
+  <p:cSld>
+    <p:spTree>
+      <p:nvGrpSpPr>
+        <p:cNvPr id="1" name=""/>
+        <p:cNvGrpSpPr/>
+        <p:nvPr/>
+      </p:nvGrpSpPr>
+      <p:grpSpPr>
+        <a:xfrm>
+          <a:off x="0" y="0"/>
+          <a:ext cx="0" cy="0"/>
+          <a:chOff x="0" y="0"/>
+          <a:chExt cx="0" cy="0"/>
+        </a:xfrm>
+      </p:grpSpPr>
+      <p:sp>
+        <p:nvSpPr>
+          <p:cNvPr id="2" name="Title 1">
+            <a:extLst>
+              <a:ext uri="{FF2B5EF4-FFF2-40B4-BE49-F238E27FC236}">
+                <a16:creationId xmlns:a16="http://schemas.microsoft.com/office/drawing/2014/main" id="{F8C755A8-3A3F-4212-2031-9910A3CC6648}"/>
+              </a:ext>
+            </a:extLst>
+          </p:cNvPr>
+          <p:cNvSpPr>
+            <a:spLocks noGrp="1"/>
+          </p:cNvSpPr>
+          <p:nvPr>
+            <p:ph type="title"/>
+          </p:nvPr>
+        </p:nvSpPr>
+        <p:spPr/>
+        <p:txBody>
+          <a:bodyPr/>
+          <a:lstStyle/>
+          <a:p>
+            <a:r>
+              <a:rPr lang="en-US" dirty="0"/>
+              <a:t>Use Cases</a:t>
+            </a:r>
+          </a:p>
+        </p:txBody>
+      </p:sp>
+      <p:sp>
+        <p:nvSpPr>
+          <p:cNvPr id="3" name="Content Placeholder 2">
+            <a:extLst>
+              <a:ext uri="{FF2B5EF4-FFF2-40B4-BE49-F238E27FC236}">
+                <a16:creationId xmlns:a16="http://schemas.microsoft.com/office/drawing/2014/main" id="{F3BA3939-46FF-8796-B8F4-BFC848C34B0D}"/>
+              </a:ext>
+            </a:extLst>
+          </p:cNvPr>
+          <p:cNvSpPr>
+            <a:spLocks noGrp="1"/>
+          </p:cNvSpPr>
+          <p:nvPr>
+            <p:ph idx="1"/>
+          </p:nvPr>
+        </p:nvSpPr>
+        <p:spPr/>
+        <p:txBody>
+          <a:bodyPr>
+            <a:normAutofit/>
+          </a:bodyPr>
+          <a:lstStyle/>
+          <a:p>
+            <a:pPr marL="342900" indent="-342900">
+              <a:buFont typeface="+mj-lt"/>
+              <a:buAutoNum type="arabicPeriod"/>
+            </a:pPr>
+            <a:r>
+              <a:rPr lang="en-US" sz="3200" dirty="0"/>
+              <a:t>I have LOTS of equipment.</a:t>
+            </a:r>
+          </a:p>
+          <a:p>
+            <a:pPr marL="342900" indent="-342900">
+              <a:buFont typeface="+mj-lt"/>
+              <a:buAutoNum type="arabicPeriod"/>
+            </a:pPr>
+            <a:r>
+              <a:rPr lang="en-US" sz="3200" dirty="0"/>
+              <a:t>I have WERID geometry.</a:t>
+            </a:r>
+          </a:p>
+          <a:p>
+            <a:pPr marL="342900" indent="-342900">
+              <a:buFont typeface="+mj-lt"/>
+              <a:buAutoNum type="arabicPeriod"/>
+            </a:pPr>
+            <a:r>
+              <a:rPr lang="en-US" sz="3200" dirty="0"/>
+              <a:t>I have COMPLICATED hardware.</a:t>
+            </a:r>
+          </a:p>
+          <a:p>
+            <a:pPr marL="342900" indent="-342900">
+              <a:buFont typeface="+mj-lt"/>
+              <a:buAutoNum type="arabicPeriod"/>
+            </a:pPr>
+            <a:r>
+              <a:rPr lang="en-US" sz="3200" dirty="0"/>
+              <a:t>I want to check MULTIPLE PRODUCTS.</a:t>
+            </a:r>
+          </a:p>
+        </p:txBody>
+      </p:sp>
+      <p:sp>
+        <p:nvSpPr>
+          <p:cNvPr id="4" name="Slide Number Placeholder 3">
+            <a:extLst>
+              <a:ext uri="{FF2B5EF4-FFF2-40B4-BE49-F238E27FC236}">
+                <a16:creationId xmlns:a16="http://schemas.microsoft.com/office/drawing/2014/main" id="{C5F3E901-EF2E-AEE8-E7DA-6F988C97F578}"/>
+              </a:ext>
+            </a:extLst>
+          </p:cNvPr>
+          <p:cNvSpPr>
+            <a:spLocks noGrp="1"/>
+          </p:cNvSpPr>
+          <p:nvPr>
+            <p:ph type="sldNum" sz="quarter" idx="12"/>
+          </p:nvPr>
+        </p:nvSpPr>
+        <p:spPr/>
+        <p:txBody>
+          <a:bodyPr/>
+          <a:lstStyle/>
+          <a:p>
+            <a:fld id="{D57F1E4F-1CFF-5643-939E-217C01CDF565}" type="slidenum">
+              <a:rPr lang="en-US" smtClean="0"/>
+              <a:pPr/>
+              <a:t>7</a:t>
+            </a:fld>
+            <a:endParaRPr lang="en-US" dirty="0"/>
+          </a:p>
+        </p:txBody>
+      </p:sp>
+    </p:spTree>
+    <p:extLst>
+      <p:ext uri="{BB962C8B-B14F-4D97-AF65-F5344CB8AC3E}">
+        <p14:creationId xmlns:p14="http://schemas.microsoft.com/office/powerpoint/2010/main" val="387995674"/>
       </p:ext>
     </p:extLst>
   </p:cSld>
@@ -8756,6 +8679,21 @@
 </file>
 
 <file path=customXml/item1.xml><?xml version="1.0" encoding="utf-8"?>
+<p:properties xmlns:p="http://schemas.microsoft.com/office/2006/metadata/properties" xmlns:xsi="http://www.w3.org/2001/XMLSchema-instance" xmlns:pc="http://schemas.microsoft.com/office/infopath/2007/PartnerControls">
+  <documentManagement/>
+</p:properties>
+</file>
+
+<file path=customXml/item2.xml><?xml version="1.0" encoding="utf-8"?>
+<?mso-contentType ?>
+<FormTemplates xmlns="http://schemas.microsoft.com/sharepoint/v3/contenttype/forms">
+  <Display>DocumentLibraryForm</Display>
+  <Edit>DocumentLibraryForm</Edit>
+  <New>DocumentLibraryForm</New>
+</FormTemplates>
+</file>
+
+<file path=customXml/item3.xml><?xml version="1.0" encoding="utf-8"?>
 <ct:contentTypeSchema xmlns:ct="http://schemas.microsoft.com/office/2006/metadata/contentType" xmlns:ma="http://schemas.microsoft.com/office/2006/metadata/properties/metaAttributes" ct:_="" ma:_="" ma:contentTypeName="Document" ma:contentTypeID="0x010100C872C6BB1048614EBEEB16A14944DCFC" ma:contentTypeVersion="7" ma:contentTypeDescription="Create a new document." ma:contentTypeScope="" ma:versionID="79cc48109d361dcf2064b601196a29df">
   <xsd:schema xmlns:xsd="http://www.w3.org/2001/XMLSchema" xmlns:xs="http://www.w3.org/2001/XMLSchema" xmlns:p="http://schemas.microsoft.com/office/2006/metadata/properties" xmlns:ns2="d87155da-bd41-4d41-9d40-77eb3ceff0ab" targetNamespace="http://schemas.microsoft.com/office/2006/metadata/properties" ma:root="true" ma:fieldsID="e516bafdecde91d1160d86854e514598" ns2:_="">
     <xsd:import namespace="d87155da-bd41-4d41-9d40-77eb3ceff0ab"/>
@@ -8921,22 +8859,31 @@
 </ct:contentTypeSchema>
 </file>
 
-<file path=customXml/item2.xml><?xml version="1.0" encoding="utf-8"?>
-<?mso-contentType ?>
-<FormTemplates xmlns="http://schemas.microsoft.com/sharepoint/v3/contenttype/forms">
-  <Display>DocumentLibraryForm</Display>
-  <Edit>DocumentLibraryForm</Edit>
-  <New>DocumentLibraryForm</New>
-</FormTemplates>
+<file path=customXml/itemProps1.xml><?xml version="1.0" encoding="utf-8"?>
+<ds:datastoreItem xmlns:ds="http://schemas.openxmlformats.org/officeDocument/2006/customXml" ds:itemID="{92D4A812-61D2-4DAB-AEC8-0A0F9B041123}">
+  <ds:schemaRefs>
+    <ds:schemaRef ds:uri="d87155da-bd41-4d41-9d40-77eb3ceff0ab"/>
+    <ds:schemaRef ds:uri="http://purl.org/dc/terms/"/>
+    <ds:schemaRef ds:uri="http://purl.org/dc/elements/1.1/"/>
+    <ds:schemaRef ds:uri="http://schemas.microsoft.com/office/2006/metadata/properties"/>
+    <ds:schemaRef ds:uri="http://www.w3.org/XML/1998/namespace"/>
+    <ds:schemaRef ds:uri="http://schemas.microsoft.com/office/2006/documentManagement/types"/>
+    <ds:schemaRef ds:uri="http://schemas.microsoft.com/office/infopath/2007/PartnerControls"/>
+    <ds:schemaRef ds:uri="http://schemas.openxmlformats.org/package/2006/metadata/core-properties"/>
+    <ds:schemaRef ds:uri="http://purl.org/dc/dcmitype/"/>
+  </ds:schemaRefs>
+</ds:datastoreItem>
 </file>
 
-<file path=customXml/item3.xml><?xml version="1.0" encoding="utf-8"?>
-<p:properties xmlns:p="http://schemas.microsoft.com/office/2006/metadata/properties" xmlns:xsi="http://www.w3.org/2001/XMLSchema-instance" xmlns:pc="http://schemas.microsoft.com/office/infopath/2007/PartnerControls">
-  <documentManagement/>
-</p:properties>
+<file path=customXml/itemProps2.xml><?xml version="1.0" encoding="utf-8"?>
+<ds:datastoreItem xmlns:ds="http://schemas.openxmlformats.org/officeDocument/2006/customXml" ds:itemID="{031D1E1B-5DAE-40E8-98A6-A4FD7D0BC973}">
+  <ds:schemaRefs>
+    <ds:schemaRef ds:uri="http://schemas.microsoft.com/sharepoint/v3/contenttype/forms"/>
+  </ds:schemaRefs>
+</ds:datastoreItem>
 </file>
 
-<file path=customXml/itemProps1.xml><?xml version="1.0" encoding="utf-8"?>
+<file path=customXml/itemProps3.xml><?xml version="1.0" encoding="utf-8"?>
 <ds:datastoreItem xmlns:ds="http://schemas.openxmlformats.org/officeDocument/2006/customXml" ds:itemID="{B945F641-76EA-4ABD-AA82-D10DCA653E67}">
   <ds:schemaRefs>
     <ds:schemaRef ds:uri="http://schemas.microsoft.com/office/2006/metadata/contentType"/>
@@ -8952,28 +8899,4 @@
     <ds:schemaRef ds:uri="http://schemas.microsoft.com/internal/obd"/>
   </ds:schemaRefs>
 </ds:datastoreItem>
-</file>
-
-<file path=customXml/itemProps2.xml><?xml version="1.0" encoding="utf-8"?>
-<ds:datastoreItem xmlns:ds="http://schemas.openxmlformats.org/officeDocument/2006/customXml" ds:itemID="{031D1E1B-5DAE-40E8-98A6-A4FD7D0BC973}">
-  <ds:schemaRefs>
-    <ds:schemaRef ds:uri="http://schemas.microsoft.com/sharepoint/v3/contenttype/forms"/>
-  </ds:schemaRefs>
-</ds:datastoreItem>
-</file>
-
-<file path=customXml/itemProps3.xml><?xml version="1.0" encoding="utf-8"?>
-<ds:datastoreItem xmlns:ds="http://schemas.openxmlformats.org/officeDocument/2006/customXml" ds:itemID="{92D4A812-61D2-4DAB-AEC8-0A0F9B041123}">
-  <ds:schemaRefs>
-    <ds:schemaRef ds:uri="d87155da-bd41-4d41-9d40-77eb3ceff0ab"/>
-    <ds:schemaRef ds:uri="http://purl.org/dc/terms/"/>
-    <ds:schemaRef ds:uri="http://purl.org/dc/elements/1.1/"/>
-    <ds:schemaRef ds:uri="http://schemas.microsoft.com/office/2006/metadata/properties"/>
-    <ds:schemaRef ds:uri="http://www.w3.org/XML/1998/namespace"/>
-    <ds:schemaRef ds:uri="http://schemas.microsoft.com/office/2006/documentManagement/types"/>
-    <ds:schemaRef ds:uri="http://schemas.microsoft.com/office/infopath/2007/PartnerControls"/>
-    <ds:schemaRef ds:uri="http://schemas.openxmlformats.org/package/2006/metadata/core-properties"/>
-    <ds:schemaRef ds:uri="http://purl.org/dc/dcmitype/"/>
-  </ds:schemaRefs>
-</ds:datastoreItem>
 </file>